--- a/papers/ellicular/images/Presentation.pptx
+++ b/papers/ellicular/images/Presentation.pptx
@@ -289,7 +289,7 @@
           <a:p>
             <a:fld id="{F816962A-DF71-A040-9B55-BD95B446D1F8}" type="datetimeFigureOut">
               <a:rPr lang="en-US" smtClean="0"/>
-              <a:t>26/08/15</a:t>
+              <a:t>15/10/15</a:t>
             </a:fld>
             <a:endParaRPr lang="en-US"/>
           </a:p>
@@ -459,7 +459,7 @@
           <a:p>
             <a:fld id="{F816962A-DF71-A040-9B55-BD95B446D1F8}" type="datetimeFigureOut">
               <a:rPr lang="en-US" smtClean="0"/>
-              <a:t>26/08/15</a:t>
+              <a:t>15/10/15</a:t>
             </a:fld>
             <a:endParaRPr lang="en-US"/>
           </a:p>
@@ -639,7 +639,7 @@
           <a:p>
             <a:fld id="{F816962A-DF71-A040-9B55-BD95B446D1F8}" type="datetimeFigureOut">
               <a:rPr lang="en-US" smtClean="0"/>
-              <a:t>26/08/15</a:t>
+              <a:t>15/10/15</a:t>
             </a:fld>
             <a:endParaRPr lang="en-US"/>
           </a:p>
@@ -809,7 +809,7 @@
           <a:p>
             <a:fld id="{F816962A-DF71-A040-9B55-BD95B446D1F8}" type="datetimeFigureOut">
               <a:rPr lang="en-US" smtClean="0"/>
-              <a:t>26/08/15</a:t>
+              <a:t>15/10/15</a:t>
             </a:fld>
             <a:endParaRPr lang="en-US"/>
           </a:p>
@@ -1055,7 +1055,7 @@
           <a:p>
             <a:fld id="{F816962A-DF71-A040-9B55-BD95B446D1F8}" type="datetimeFigureOut">
               <a:rPr lang="en-US" smtClean="0"/>
-              <a:t>26/08/15</a:t>
+              <a:t>15/10/15</a:t>
             </a:fld>
             <a:endParaRPr lang="en-US"/>
           </a:p>
@@ -1343,7 +1343,7 @@
           <a:p>
             <a:fld id="{F816962A-DF71-A040-9B55-BD95B446D1F8}" type="datetimeFigureOut">
               <a:rPr lang="en-US" smtClean="0"/>
-              <a:t>26/08/15</a:t>
+              <a:t>15/10/15</a:t>
             </a:fld>
             <a:endParaRPr lang="en-US"/>
           </a:p>
@@ -1765,7 +1765,7 @@
           <a:p>
             <a:fld id="{F816962A-DF71-A040-9B55-BD95B446D1F8}" type="datetimeFigureOut">
               <a:rPr lang="en-US" smtClean="0"/>
-              <a:t>26/08/15</a:t>
+              <a:t>15/10/15</a:t>
             </a:fld>
             <a:endParaRPr lang="en-US"/>
           </a:p>
@@ -1883,7 +1883,7 @@
           <a:p>
             <a:fld id="{F816962A-DF71-A040-9B55-BD95B446D1F8}" type="datetimeFigureOut">
               <a:rPr lang="en-US" smtClean="0"/>
-              <a:t>26/08/15</a:t>
+              <a:t>15/10/15</a:t>
             </a:fld>
             <a:endParaRPr lang="en-US"/>
           </a:p>
@@ -1978,7 +1978,7 @@
           <a:p>
             <a:fld id="{F816962A-DF71-A040-9B55-BD95B446D1F8}" type="datetimeFigureOut">
               <a:rPr lang="en-US" smtClean="0"/>
-              <a:t>26/08/15</a:t>
+              <a:t>15/10/15</a:t>
             </a:fld>
             <a:endParaRPr lang="en-US"/>
           </a:p>
@@ -2255,7 +2255,7 @@
           <a:p>
             <a:fld id="{F816962A-DF71-A040-9B55-BD95B446D1F8}" type="datetimeFigureOut">
               <a:rPr lang="en-US" smtClean="0"/>
-              <a:t>26/08/15</a:t>
+              <a:t>15/10/15</a:t>
             </a:fld>
             <a:endParaRPr lang="en-US"/>
           </a:p>
@@ -2508,7 +2508,7 @@
           <a:p>
             <a:fld id="{F816962A-DF71-A040-9B55-BD95B446D1F8}" type="datetimeFigureOut">
               <a:rPr lang="en-US" smtClean="0"/>
-              <a:t>26/08/15</a:t>
+              <a:t>15/10/15</a:t>
             </a:fld>
             <a:endParaRPr lang="en-US"/>
           </a:p>
@@ -2721,7 +2721,7 @@
           <a:p>
             <a:fld id="{F816962A-DF71-A040-9B55-BD95B446D1F8}" type="datetimeFigureOut">
               <a:rPr lang="en-US" smtClean="0"/>
-              <a:t>26/08/15</a:t>
+              <a:t>15/10/15</a:t>
             </a:fld>
             <a:endParaRPr lang="en-US"/>
           </a:p>
@@ -6266,6 +6266,44 @@
           <a:chExt cx="0" cy="0"/>
         </a:xfrm>
       </p:grpSpPr>
+      <p:cxnSp>
+        <p:nvCxnSpPr>
+          <p:cNvPr id="3" name="Straight Connector 2"/>
+          <p:cNvCxnSpPr/>
+          <p:nvPr/>
+        </p:nvCxnSpPr>
+        <p:spPr>
+          <a:xfrm>
+            <a:off x="4257842" y="2920037"/>
+            <a:ext cx="0" cy="3138704"/>
+          </a:xfrm>
+          <a:prstGeom prst="line">
+            <a:avLst/>
+          </a:prstGeom>
+          <a:ln w="38100" cmpd="sng">
+            <a:solidFill>
+              <a:schemeClr val="bg1">
+                <a:lumMod val="50000"/>
+              </a:schemeClr>
+            </a:solidFill>
+            <a:prstDash val="dash"/>
+          </a:ln>
+        </p:spPr>
+        <p:style>
+          <a:lnRef idx="2">
+            <a:schemeClr val="accent1"/>
+          </a:lnRef>
+          <a:fillRef idx="0">
+            <a:schemeClr val="accent1"/>
+          </a:fillRef>
+          <a:effectRef idx="1">
+            <a:schemeClr val="accent1"/>
+          </a:effectRef>
+          <a:fontRef idx="minor">
+            <a:schemeClr val="tx1"/>
+          </a:fontRef>
+        </p:style>
+      </p:cxnSp>
       <p:sp>
         <p:nvSpPr>
           <p:cNvPr id="82" name="Oval 81"/>
@@ -7530,19 +7568,8 @@
                 <a:latin typeface="Century Gothic"/>
                 <a:cs typeface="Century Gothic"/>
               </a:rPr>
-              <a:t>arge-scale </a:t>
-            </a:r>
-            <a:r>
-              <a:rPr lang="en-US" sz="2000" b="1" dirty="0" smtClean="0">
-                <a:latin typeface="Century Gothic"/>
-                <a:cs typeface="Century Gothic"/>
-              </a:rPr>
-              <a:t>disc</a:t>
-            </a:r>
-            <a:endParaRPr lang="en-US" sz="2000" b="1" dirty="0" smtClean="0">
-              <a:latin typeface="Century Gothic"/>
-              <a:cs typeface="Century Gothic"/>
-            </a:endParaRPr>
+              <a:t>arge-scale disc</a:t>
+            </a:r>
           </a:p>
         </p:txBody>
       </p:sp>
@@ -7591,19 +7618,8 @@
                 <a:latin typeface="Century Gothic"/>
                 <a:cs typeface="Century Gothic"/>
               </a:rPr>
-              <a:t>ntermediate-scale </a:t>
-            </a:r>
-            <a:r>
-              <a:rPr lang="en-US" sz="2000" b="1" dirty="0" smtClean="0">
-                <a:latin typeface="Century Gothic"/>
-                <a:cs typeface="Century Gothic"/>
-              </a:rPr>
-              <a:t>disc</a:t>
-            </a:r>
-            <a:endParaRPr lang="en-US" sz="2000" b="1" dirty="0" smtClean="0">
-              <a:latin typeface="Century Gothic"/>
-              <a:cs typeface="Century Gothic"/>
-            </a:endParaRPr>
+              <a:t>ntermediate-scale disc</a:t>
+            </a:r>
           </a:p>
         </p:txBody>
       </p:sp>
@@ -7652,19 +7668,8 @@
                 <a:latin typeface="Century Gothic"/>
                 <a:cs typeface="Century Gothic"/>
               </a:rPr>
-              <a:t>uclear </a:t>
-            </a:r>
-            <a:r>
-              <a:rPr lang="en-US" sz="2000" b="1" dirty="0" smtClean="0">
-                <a:latin typeface="Century Gothic"/>
-                <a:cs typeface="Century Gothic"/>
-              </a:rPr>
-              <a:t>disc</a:t>
-            </a:r>
-            <a:endParaRPr lang="en-US" sz="2000" b="1" dirty="0" smtClean="0">
-              <a:latin typeface="Century Gothic"/>
-              <a:cs typeface="Century Gothic"/>
-            </a:endParaRPr>
+              <a:t>uclear disc</a:t>
+            </a:r>
           </a:p>
         </p:txBody>
       </p:sp>
@@ -9381,6 +9386,63 @@
               </a:rPr>
               <a:t>adius</a:t>
             </a:r>
+          </a:p>
+        </p:txBody>
+      </p:sp>
+      <p:sp>
+        <p:nvSpPr>
+          <p:cNvPr id="72" name="TextBox 71"/>
+          <p:cNvSpPr txBox="1"/>
+          <p:nvPr/>
+        </p:nvSpPr>
+        <p:spPr>
+          <a:xfrm>
+            <a:off x="4091180" y="2207129"/>
+            <a:ext cx="1292575" cy="923330"/>
+          </a:xfrm>
+          <a:prstGeom prst="rect">
+            <a:avLst/>
+          </a:prstGeom>
+          <a:noFill/>
+          <a:ln w="57150" cmpd="sng">
+            <a:noFill/>
+          </a:ln>
+          <a:effectLst>
+            <a:outerShdw blurRad="50800" dist="25400" dir="2700000" algn="tl" rotWithShape="0">
+              <a:prstClr val="black">
+                <a:alpha val="40000"/>
+              </a:prstClr>
+            </a:outerShdw>
+          </a:effectLst>
+        </p:spPr>
+        <p:txBody>
+          <a:bodyPr wrap="square" rtlCol="0">
+            <a:spAutoFit/>
+          </a:bodyPr>
+          <a:lstStyle/>
+          <a:p>
+            <a:pPr algn="ctr"/>
+            <a:r>
+              <a:rPr lang="en-US" b="1" i="1" dirty="0" smtClean="0">
+                <a:solidFill>
+                  <a:schemeClr val="bg1">
+                    <a:lumMod val="50000"/>
+                  </a:schemeClr>
+                </a:solidFill>
+                <a:latin typeface="Century Gothic"/>
+                <a:cs typeface="Century Gothic"/>
+              </a:rPr>
+              <a:t>typical half-light radius</a:t>
+            </a:r>
+            <a:endParaRPr lang="en-US" b="1" i="1" dirty="0" smtClean="0">
+              <a:solidFill>
+                <a:schemeClr val="bg1">
+                  <a:lumMod val="50000"/>
+                </a:schemeClr>
+              </a:solidFill>
+              <a:latin typeface="Century Gothic"/>
+              <a:cs typeface="Century Gothic"/>
+            </a:endParaRPr>
           </a:p>
         </p:txBody>
       </p:sp>
